--- a/Session 1. Introduction.pptx
+++ b/Session 1. Introduction.pptx
@@ -2,28 +2,29 @@
 <file path=ppt/presentation.xml><?xml version="1.0" encoding="utf-8"?>
 <p:presentation xmlns:a="http://schemas.openxmlformats.org/drawingml/2006/main" xmlns:r="http://schemas.openxmlformats.org/officeDocument/2006/relationships" xmlns:p="http://schemas.openxmlformats.org/presentationml/2006/main" showSpecialPlsOnTitleSld="0" saveSubsetFonts="1">
   <p:sldMasterIdLst>
-    <p:sldMasterId id="2147483648" r:id="rId1"/>
+    <p:sldMasterId id="2147483648" r:id="rId4"/>
   </p:sldMasterIdLst>
   <p:notesMasterIdLst>
-    <p:notesMasterId r:id="rId18"/>
+    <p:notesMasterId r:id="rId22"/>
   </p:notesMasterIdLst>
   <p:sldIdLst>
-    <p:sldId id="256" r:id="rId2"/>
-    <p:sldId id="277" r:id="rId3"/>
-    <p:sldId id="423" r:id="rId4"/>
-    <p:sldId id="422" r:id="rId5"/>
-    <p:sldId id="424" r:id="rId6"/>
-    <p:sldId id="425" r:id="rId7"/>
-    <p:sldId id="426" r:id="rId8"/>
-    <p:sldId id="427" r:id="rId9"/>
-    <p:sldId id="428" r:id="rId10"/>
-    <p:sldId id="429" r:id="rId11"/>
-    <p:sldId id="430" r:id="rId12"/>
-    <p:sldId id="431" r:id="rId13"/>
-    <p:sldId id="432" r:id="rId14"/>
-    <p:sldId id="433" r:id="rId15"/>
-    <p:sldId id="434" r:id="rId16"/>
-    <p:sldId id="259" r:id="rId17"/>
+    <p:sldId id="256" r:id="rId5"/>
+    <p:sldId id="277" r:id="rId6"/>
+    <p:sldId id="423" r:id="rId7"/>
+    <p:sldId id="422" r:id="rId8"/>
+    <p:sldId id="424" r:id="rId9"/>
+    <p:sldId id="425" r:id="rId10"/>
+    <p:sldId id="426" r:id="rId11"/>
+    <p:sldId id="427" r:id="rId12"/>
+    <p:sldId id="435" r:id="rId13"/>
+    <p:sldId id="428" r:id="rId14"/>
+    <p:sldId id="429" r:id="rId15"/>
+    <p:sldId id="430" r:id="rId16"/>
+    <p:sldId id="431" r:id="rId17"/>
+    <p:sldId id="432" r:id="rId18"/>
+    <p:sldId id="433" r:id="rId19"/>
+    <p:sldId id="434" r:id="rId20"/>
+    <p:sldId id="259" r:id="rId21"/>
   </p:sldIdLst>
   <p:sldSz cx="9144000" cy="6858000" type="screen4x3"/>
   <p:notesSz cx="7099300" cy="10234613"/>
@@ -237,7 +238,7 @@
             <a:fld id="{4736E2BE-9D0E-42AE-8134-698B657F8932}" type="datetimeFigureOut">
               <a:rPr lang="en-US" smtClean="0"/>
               <a:pPr/>
-              <a:t>27-Jul-24</a:t>
+              <a:t>9/18/2024</a:t>
             </a:fld>
             <a:endParaRPr lang="en-US"/>
           </a:p>
@@ -2379,7 +2380,7 @@
           <a:p>
             <a:fld id="{233601E6-B4AE-4A6E-AEBD-2BD1C9DC7200}" type="datetime1">
               <a:rPr lang="en-US" smtClean="0"/>
-              <a:t>27-Jul-24</a:t>
+              <a:t>9/18/2024</a:t>
             </a:fld>
             <a:endParaRPr lang="en-US" dirty="0"/>
           </a:p>
@@ -3622,7 +3623,7 @@
           <a:p>
             <a:fld id="{13BE81C0-ECE3-4B63-B272-8B3D7656C583}" type="datetime1">
               <a:rPr lang="en-US" smtClean="0"/>
-              <a:t>27-Jul-24</a:t>
+              <a:t>9/18/2024</a:t>
             </a:fld>
             <a:endParaRPr lang="en-US" dirty="0"/>
           </a:p>
@@ -4369,7 +4370,7 @@
           <a:p>
             <a:fld id="{C38841E9-3871-4B89-B2BB-CABFA4C643AD}" type="datetime1">
               <a:rPr lang="en-US" smtClean="0"/>
-              <a:t>27-Jul-24</a:t>
+              <a:t>9/18/2024</a:t>
             </a:fld>
             <a:endParaRPr lang="en-US" dirty="0"/>
           </a:p>
@@ -4986,7 +4987,7 @@
           <a:p>
             <a:fld id="{42B9E46C-4471-40B4-A44C-A8BAA424C676}" type="datetime1">
               <a:rPr lang="en-US" smtClean="0"/>
-              <a:t>27-Jul-24</a:t>
+              <a:t>9/18/2024</a:t>
             </a:fld>
             <a:endParaRPr lang="en-US" dirty="0"/>
           </a:p>
@@ -5235,7 +5236,7 @@
           <a:p>
             <a:fld id="{0B451866-E4F5-4DA3-99F4-81F39FB2AA22}" type="datetime1">
               <a:rPr lang="en-US" smtClean="0"/>
-              <a:t>27-Jul-24</a:t>
+              <a:t>9/18/2024</a:t>
             </a:fld>
             <a:endParaRPr lang="en-US"/>
           </a:p>
@@ -5731,7 +5732,15 @@
             </a:pPr>
             <a:r>
               <a:rPr lang="en-US" dirty="0"/>
-              <a:t>A financial market is a market where financial assets are exchanged/traded.</a:t>
+              <a:t>Price of any financial asset is equal to the </a:t>
+            </a:r>
+            <a:r>
+              <a:rPr lang="en-US" b="1" dirty="0"/>
+              <a:t>present value of its expected cash flow</a:t>
+            </a:r>
+            <a:r>
+              <a:rPr lang="en-US" dirty="0"/>
+              <a:t>, even if the cash flow is not known with certainty.</a:t>
             </a:r>
           </a:p>
           <a:p>
@@ -5748,11 +5757,7 @@
             </a:pPr>
             <a:r>
               <a:rPr lang="en-US" dirty="0"/>
-              <a:t>The market in which a financial asset trades for immediate delivery is called the </a:t>
-            </a:r>
-            <a:r>
-              <a:rPr lang="en-US" b="1" dirty="0"/>
-              <a:t>spot market or cash market (NSE/BSE).</a:t>
+              <a:t>Required rate of return (Opportunity cost of capital)</a:t>
             </a:r>
           </a:p>
           <a:p>
@@ -5760,7 +5765,7 @@
               <a:buFont typeface="Arial" panose="020B0604020202020204" pitchFamily="34" charset="0"/>
               <a:buChar char="•"/>
             </a:pPr>
-            <a:endParaRPr lang="en-US" b="1" dirty="0"/>
+            <a:endParaRPr lang="en-US" dirty="0"/>
           </a:p>
           <a:p>
             <a:pPr>
@@ -5769,57 +5774,8 @@
             </a:pPr>
             <a:r>
               <a:rPr lang="en-US" dirty="0"/>
-              <a:t>Functions of financial markets</a:t>
-            </a:r>
-          </a:p>
-          <a:p>
-            <a:pPr lvl="1">
-              <a:buFont typeface="Arial" panose="020B0604020202020204" pitchFamily="34" charset="0"/>
-              <a:buChar char="•"/>
-            </a:pPr>
-            <a:r>
-              <a:rPr lang="en-US" sz="1800" b="1" dirty="0"/>
-              <a:t>Price discovery </a:t>
-            </a:r>
-            <a:r>
-              <a:rPr lang="en-US" sz="1800" dirty="0"/>
-              <a:t>(of prices and returns of assets)</a:t>
-            </a:r>
-          </a:p>
-          <a:p>
-            <a:pPr lvl="1">
-              <a:buFont typeface="Arial" panose="020B0604020202020204" pitchFamily="34" charset="0"/>
-              <a:buChar char="•"/>
-            </a:pPr>
-            <a:r>
-              <a:rPr lang="en-US" sz="1800" b="1" dirty="0"/>
-              <a:t>Liquidity</a:t>
-            </a:r>
-            <a:r>
-              <a:rPr lang="en-US" sz="1800" dirty="0"/>
-              <a:t> (for selling the securities) with less transaction cost, less bid-ask spread, less impact cost</a:t>
-            </a:r>
-          </a:p>
-          <a:p>
-            <a:pPr lvl="1">
-              <a:buFont typeface="Arial" panose="020B0604020202020204" pitchFamily="34" charset="0"/>
-              <a:buChar char="•"/>
-            </a:pPr>
-            <a:endParaRPr lang="en-US" b="1" dirty="0"/>
-          </a:p>
-          <a:p>
-            <a:pPr lvl="1">
-              <a:buFont typeface="Arial" panose="020B0604020202020204" pitchFamily="34" charset="0"/>
-              <a:buChar char="•"/>
-            </a:pPr>
-            <a:endParaRPr lang="en-US" b="1" dirty="0"/>
-          </a:p>
-          <a:p>
-            <a:pPr lvl="1">
-              <a:buFont typeface="Arial" panose="020B0604020202020204" pitchFamily="34" charset="0"/>
-              <a:buChar char="•"/>
-            </a:pPr>
-            <a:endParaRPr lang="en-US" b="1" dirty="0"/>
+              <a:t>Risk in financial asset: default risk, interest rate risk (for bonds), inflation risk.</a:t>
+            </a:r>
           </a:p>
           <a:p>
             <a:pPr>
@@ -5853,7 +5809,7 @@
           <a:p>
             <a:r>
               <a:rPr lang="en-IN" dirty="0"/>
-              <a:t>Financial Markets</a:t>
+              <a:t>Valuation of financial asset</a:t>
             </a:r>
           </a:p>
         </p:txBody>
@@ -5881,7 +5837,7 @@
           <a:p>
             <a:fld id="{881A98AD-4956-456D-B4B5-6E8091612E86}" type="datetime1">
               <a:rPr lang="en-US" smtClean="0"/>
-              <a:t>27-Jul-24</a:t>
+              <a:t>9/18/2024</a:t>
             </a:fld>
             <a:endParaRPr lang="en-US" dirty="0"/>
           </a:p>
@@ -5920,7 +5876,7 @@
     </p:spTree>
     <p:extLst>
       <p:ext uri="{BB962C8B-B14F-4D97-AF65-F5344CB8AC3E}">
-        <p14:creationId xmlns:p14="http://schemas.microsoft.com/office/powerpoint/2010/main" val="435985575"/>
+        <p14:creationId xmlns:p14="http://schemas.microsoft.com/office/powerpoint/2010/main" val="3673939270"/>
       </p:ext>
     </p:extLst>
   </p:cSld>
@@ -5980,12 +5936,8 @@
               <a:buChar char="•"/>
             </a:pPr>
             <a:r>
-              <a:rPr lang="en-IN" b="1" dirty="0"/>
-              <a:t>Type of securities</a:t>
-            </a:r>
-            <a:r>
-              <a:rPr lang="en-IN" dirty="0"/>
-              <a:t>: Debt v/s Equity Market</a:t>
+              <a:rPr lang="en-US" dirty="0"/>
+              <a:t>A financial market is a market where financial assets are exchanged/traded.</a:t>
             </a:r>
           </a:p>
           <a:p>
@@ -5993,7 +5945,7 @@
               <a:buFont typeface="Arial" panose="020B0604020202020204" pitchFamily="34" charset="0"/>
               <a:buChar char="•"/>
             </a:pPr>
-            <a:endParaRPr lang="en-IN" dirty="0"/>
+            <a:endParaRPr lang="en-US" dirty="0"/>
           </a:p>
           <a:p>
             <a:pPr>
@@ -6001,12 +5953,12 @@
               <a:buChar char="•"/>
             </a:pPr>
             <a:r>
-              <a:rPr lang="en-IN" b="1" dirty="0"/>
-              <a:t>Maturity</a:t>
-            </a:r>
-            <a:r>
-              <a:rPr lang="en-IN" dirty="0"/>
-              <a:t>: Money market v/s Capital market</a:t>
+              <a:rPr lang="en-US" dirty="0"/>
+              <a:t>The market in which a financial asset trades for immediate delivery is called the </a:t>
+            </a:r>
+            <a:r>
+              <a:rPr lang="en-US" b="1" dirty="0"/>
+              <a:t>spot market or cash market (NSE/BSE).</a:t>
             </a:r>
           </a:p>
           <a:p>
@@ -6014,7 +5966,7 @@
               <a:buFont typeface="Arial" panose="020B0604020202020204" pitchFamily="34" charset="0"/>
               <a:buChar char="•"/>
             </a:pPr>
-            <a:endParaRPr lang="en-IN" dirty="0"/>
+            <a:endParaRPr lang="en-US" b="1" dirty="0"/>
           </a:p>
           <a:p>
             <a:pPr>
@@ -6022,56 +5974,58 @@
               <a:buChar char="•"/>
             </a:pPr>
             <a:r>
-              <a:rPr lang="en-IN" b="1" dirty="0"/>
-              <a:t>Based on issue time</a:t>
-            </a:r>
-            <a:r>
-              <a:rPr lang="en-IN" dirty="0"/>
-              <a:t>: Primary v/s secondary</a:t>
-            </a:r>
-          </a:p>
-          <a:p>
-            <a:pPr>
+              <a:rPr lang="en-US" dirty="0"/>
+              <a:t>Functions of financial markets</a:t>
+            </a:r>
+          </a:p>
+          <a:p>
+            <a:pPr lvl="1">
               <a:buFont typeface="Arial" panose="020B0604020202020204" pitchFamily="34" charset="0"/>
               <a:buChar char="•"/>
             </a:pPr>
-            <a:endParaRPr lang="en-IN" dirty="0"/>
-          </a:p>
-          <a:p>
-            <a:pPr>
+            <a:r>
+              <a:rPr lang="en-US" sz="1800" b="1" dirty="0"/>
+              <a:t>Price discovery </a:t>
+            </a:r>
+            <a:r>
+              <a:rPr lang="en-US" sz="1800" dirty="0"/>
+              <a:t>(of prices and returns of assets)</a:t>
+            </a:r>
+          </a:p>
+          <a:p>
+            <a:pPr lvl="1">
               <a:buFont typeface="Arial" panose="020B0604020202020204" pitchFamily="34" charset="0"/>
               <a:buChar char="•"/>
             </a:pPr>
             <a:r>
-              <a:rPr lang="en-IN" b="1" dirty="0"/>
-              <a:t>Cash Market v/s Derivatives Market </a:t>
-            </a:r>
-            <a:r>
-              <a:rPr lang="en-IN" sz="2400" dirty="0"/>
-              <a:t>(Futures, forwards, options, and swaps)</a:t>
-            </a:r>
-          </a:p>
-          <a:p>
-            <a:pPr>
+              <a:rPr lang="en-US" sz="1800" b="1" dirty="0"/>
+              <a:t>Liquidity</a:t>
+            </a:r>
+            <a:r>
+              <a:rPr lang="en-US" sz="1800" dirty="0"/>
+              <a:t> (for selling the securities) with less transaction cost, less bid-ask spread, less impact cost</a:t>
+            </a:r>
+          </a:p>
+          <a:p>
+            <a:pPr lvl="1">
               <a:buFont typeface="Arial" panose="020B0604020202020204" pitchFamily="34" charset="0"/>
               <a:buChar char="•"/>
             </a:pPr>
-            <a:r>
-              <a:rPr lang="en-IN" b="1" dirty="0"/>
-              <a:t>Organisational structure </a:t>
-            </a:r>
-            <a:r>
-              <a:rPr lang="en-IN" dirty="0"/>
-              <a:t>and regulation: Regulated exchange v/s unregulated/less regulated over the counter market</a:t>
-            </a:r>
-            <a:endParaRPr lang="en-IN" sz="2400" dirty="0"/>
-          </a:p>
-          <a:p>
-            <a:pPr>
+            <a:endParaRPr lang="en-US" b="1" dirty="0"/>
+          </a:p>
+          <a:p>
+            <a:pPr lvl="1">
               <a:buFont typeface="Arial" panose="020B0604020202020204" pitchFamily="34" charset="0"/>
               <a:buChar char="•"/>
             </a:pPr>
-            <a:endParaRPr lang="en-IN" dirty="0"/>
+            <a:endParaRPr lang="en-US" b="1" dirty="0"/>
+          </a:p>
+          <a:p>
+            <a:pPr lvl="1">
+              <a:buFont typeface="Arial" panose="020B0604020202020204" pitchFamily="34" charset="0"/>
+              <a:buChar char="•"/>
+            </a:pPr>
+            <a:endParaRPr lang="en-US" b="1" dirty="0"/>
           </a:p>
           <a:p>
             <a:pPr>
@@ -6105,7 +6059,7 @@
           <a:p>
             <a:r>
               <a:rPr lang="en-IN" dirty="0"/>
-              <a:t>Financial Markets: Classifications</a:t>
+              <a:t>Financial Markets</a:t>
             </a:r>
           </a:p>
         </p:txBody>
@@ -6133,7 +6087,7 @@
           <a:p>
             <a:fld id="{881A98AD-4956-456D-B4B5-6E8091612E86}" type="datetime1">
               <a:rPr lang="en-US" smtClean="0"/>
-              <a:t>27-Jul-24</a:t>
+              <a:t>9/18/2024</a:t>
             </a:fld>
             <a:endParaRPr lang="en-US" dirty="0"/>
           </a:p>
@@ -6172,7 +6126,7 @@
     </p:spTree>
     <p:extLst>
       <p:ext uri="{BB962C8B-B14F-4D97-AF65-F5344CB8AC3E}">
-        <p14:creationId xmlns:p14="http://schemas.microsoft.com/office/powerpoint/2010/main" val="1515885523"/>
+        <p14:creationId xmlns:p14="http://schemas.microsoft.com/office/powerpoint/2010/main" val="435985575"/>
       </p:ext>
     </p:extLst>
   </p:cSld>
@@ -6232,8 +6186,12 @@
               <a:buChar char="•"/>
             </a:pPr>
             <a:r>
-              <a:rPr lang="en-US" dirty="0"/>
-              <a:t>Households</a:t>
+              <a:rPr lang="en-IN" b="1" dirty="0"/>
+              <a:t>Type of securities</a:t>
+            </a:r>
+            <a:r>
+              <a:rPr lang="en-IN" dirty="0"/>
+              <a:t>: Debt v/s Equity Market</a:t>
             </a:r>
           </a:p>
           <a:p>
@@ -6241,10 +6199,7 @@
               <a:buFont typeface="Arial" panose="020B0604020202020204" pitchFamily="34" charset="0"/>
               <a:buChar char="•"/>
             </a:pPr>
-            <a:r>
-              <a:rPr lang="en-US" dirty="0"/>
-              <a:t>Business entities (corporations and partnerships)</a:t>
-            </a:r>
+            <a:endParaRPr lang="en-IN" dirty="0"/>
           </a:p>
           <a:p>
             <a:pPr>
@@ -6252,8 +6207,12 @@
               <a:buChar char="•"/>
             </a:pPr>
             <a:r>
-              <a:rPr lang="en-US" dirty="0"/>
-              <a:t>National governments,</a:t>
+              <a:rPr lang="en-IN" b="1" dirty="0"/>
+              <a:t>Maturity</a:t>
+            </a:r>
+            <a:r>
+              <a:rPr lang="en-IN" dirty="0"/>
+              <a:t>: Money market v/s Capital market</a:t>
             </a:r>
           </a:p>
           <a:p>
@@ -6261,10 +6220,7 @@
               <a:buFont typeface="Arial" panose="020B0604020202020204" pitchFamily="34" charset="0"/>
               <a:buChar char="•"/>
             </a:pPr>
-            <a:r>
-              <a:rPr lang="en-US" dirty="0"/>
-              <a:t>State and local governments</a:t>
-            </a:r>
+            <a:endParaRPr lang="en-IN" dirty="0"/>
           </a:p>
           <a:p>
             <a:pPr>
@@ -6272,8 +6228,12 @@
               <a:buChar char="•"/>
             </a:pPr>
             <a:r>
-              <a:rPr lang="en-US" dirty="0"/>
-              <a:t>Regulatory bodies (SEBI, RBI, etc.)</a:t>
+              <a:rPr lang="en-IN" b="1" dirty="0"/>
+              <a:t>Based on issue time</a:t>
+            </a:r>
+            <a:r>
+              <a:rPr lang="en-IN" dirty="0"/>
+              <a:t>: Primary v/s secondary</a:t>
             </a:r>
           </a:p>
           <a:p>
@@ -6281,7 +6241,43 @@
               <a:buFont typeface="Arial" panose="020B0604020202020204" pitchFamily="34" charset="0"/>
               <a:buChar char="•"/>
             </a:pPr>
-            <a:endParaRPr lang="en-US" dirty="0"/>
+            <a:endParaRPr lang="en-IN" dirty="0"/>
+          </a:p>
+          <a:p>
+            <a:pPr>
+              <a:buFont typeface="Arial" panose="020B0604020202020204" pitchFamily="34" charset="0"/>
+              <a:buChar char="•"/>
+            </a:pPr>
+            <a:r>
+              <a:rPr lang="en-IN" b="1" dirty="0"/>
+              <a:t>Cash Market v/s Derivatives Market </a:t>
+            </a:r>
+            <a:r>
+              <a:rPr lang="en-IN" sz="2400" dirty="0"/>
+              <a:t>(Futures, forwards, options, and swaps)</a:t>
+            </a:r>
+          </a:p>
+          <a:p>
+            <a:pPr>
+              <a:buFont typeface="Arial" panose="020B0604020202020204" pitchFamily="34" charset="0"/>
+              <a:buChar char="•"/>
+            </a:pPr>
+            <a:r>
+              <a:rPr lang="en-IN" b="1" dirty="0"/>
+              <a:t>Organisational structure </a:t>
+            </a:r>
+            <a:r>
+              <a:rPr lang="en-IN" dirty="0"/>
+              <a:t>and regulation: Regulated exchange v/s unregulated/less regulated over the counter market</a:t>
+            </a:r>
+            <a:endParaRPr lang="en-IN" sz="2400" dirty="0"/>
+          </a:p>
+          <a:p>
+            <a:pPr>
+              <a:buFont typeface="Arial" panose="020B0604020202020204" pitchFamily="34" charset="0"/>
+              <a:buChar char="•"/>
+            </a:pPr>
+            <a:endParaRPr lang="en-IN" dirty="0"/>
           </a:p>
           <a:p>
             <a:pPr>
@@ -6315,7 +6311,7 @@
           <a:p>
             <a:r>
               <a:rPr lang="en-IN" dirty="0"/>
-              <a:t>Financial Markets: Participants</a:t>
+              <a:t>Financial Markets: Classifications</a:t>
             </a:r>
           </a:p>
         </p:txBody>
@@ -6343,7 +6339,7 @@
           <a:p>
             <a:fld id="{881A98AD-4956-456D-B4B5-6E8091612E86}" type="datetime1">
               <a:rPr lang="en-US" smtClean="0"/>
-              <a:t>27-Jul-24</a:t>
+              <a:t>9/18/2024</a:t>
             </a:fld>
             <a:endParaRPr lang="en-US" dirty="0"/>
           </a:p>
@@ -6382,7 +6378,7 @@
     </p:spTree>
     <p:extLst>
       <p:ext uri="{BB962C8B-B14F-4D97-AF65-F5344CB8AC3E}">
-        <p14:creationId xmlns:p14="http://schemas.microsoft.com/office/powerpoint/2010/main" val="1274594731"/>
+        <p14:creationId xmlns:p14="http://schemas.microsoft.com/office/powerpoint/2010/main" val="1515885523"/>
       </p:ext>
     </p:extLst>
   </p:cSld>
@@ -6433,7 +6429,7 @@
         </p:spPr>
         <p:txBody>
           <a:bodyPr>
-            <a:normAutofit fontScale="92500"/>
+            <a:normAutofit/>
           </a:bodyPr>
           <a:lstStyle/>
           <a:p>
@@ -6443,7 +6439,7 @@
             </a:pPr>
             <a:r>
               <a:rPr lang="en-US" dirty="0"/>
-              <a:t>Globalization means the integration of financial markets throughout the world into an international financial market.</a:t>
+              <a:t>Households</a:t>
             </a:r>
           </a:p>
           <a:p>
@@ -6452,8 +6448,8 @@
               <a:buChar char="•"/>
             </a:pPr>
             <a:r>
-              <a:rPr lang="en-IN" dirty="0"/>
-              <a:t>Raising funds from other countries</a:t>
+              <a:rPr lang="en-US" dirty="0"/>
+              <a:t>Business entities (corporations and partnerships)</a:t>
             </a:r>
           </a:p>
           <a:p>
@@ -6462,8 +6458,8 @@
               <a:buChar char="•"/>
             </a:pPr>
             <a:r>
-              <a:rPr lang="en-IN" dirty="0"/>
-              <a:t>Investing in the other countries</a:t>
+              <a:rPr lang="en-US" dirty="0"/>
+              <a:t>National governments,</a:t>
             </a:r>
           </a:p>
           <a:p>
@@ -6473,45 +6469,7 @@
             </a:pPr>
             <a:r>
               <a:rPr lang="en-US" dirty="0"/>
-              <a:t>The reasons for globalization are:</a:t>
-            </a:r>
-          </a:p>
-          <a:p>
-            <a:pPr lvl="1">
-              <a:buFont typeface="Arial" panose="020B0604020202020204" pitchFamily="34" charset="0"/>
-              <a:buChar char="•"/>
-            </a:pPr>
-            <a:r>
-              <a:rPr lang="en-IN" sz="1900" b="1" dirty="0"/>
-              <a:t>Deregulation or liberalisation</a:t>
-            </a:r>
-          </a:p>
-          <a:p>
-            <a:pPr lvl="1">
-              <a:buFont typeface="Arial" panose="020B0604020202020204" pitchFamily="34" charset="0"/>
-              <a:buChar char="•"/>
-            </a:pPr>
-            <a:r>
-              <a:rPr lang="en-US" sz="1900" b="1" dirty="0"/>
-              <a:t>Technological advances </a:t>
-            </a:r>
-            <a:r>
-              <a:rPr lang="en-US" sz="1900" dirty="0"/>
-              <a:t>(for monitoring world markets, executing orders, and analyzing financial opportunities)</a:t>
-            </a:r>
-          </a:p>
-          <a:p>
-            <a:pPr lvl="1">
-              <a:buFont typeface="Arial" panose="020B0604020202020204" pitchFamily="34" charset="0"/>
-              <a:buChar char="•"/>
-            </a:pPr>
-            <a:r>
-              <a:rPr lang="en-US" sz="1900" b="1" dirty="0"/>
-              <a:t>Increased participation of institutions </a:t>
-            </a:r>
-            <a:r>
-              <a:rPr lang="en-US" sz="1900" dirty="0"/>
-              <a:t>in the international markets (pension funds, insurance companies, mutual funds, commercial banks)</a:t>
+              <a:t>State and local governments</a:t>
             </a:r>
           </a:p>
           <a:p>
@@ -6520,16 +6478,8 @@
               <a:buChar char="•"/>
             </a:pPr>
             <a:r>
-              <a:rPr lang="en-IN" dirty="0"/>
-              <a:t>Globalisation improves </a:t>
-            </a:r>
-            <a:r>
-              <a:rPr lang="en-IN" b="1" dirty="0"/>
-              <a:t>portfolio diversification </a:t>
-            </a:r>
-            <a:r>
-              <a:rPr lang="en-IN" dirty="0"/>
-              <a:t>for individuals/institutes</a:t>
+              <a:rPr lang="en-US" dirty="0"/>
+              <a:t>Regulatory bodies (SEBI, RBI, etc.)</a:t>
             </a:r>
           </a:p>
           <a:p>
@@ -6537,34 +6487,7 @@
               <a:buFont typeface="Arial" panose="020B0604020202020204" pitchFamily="34" charset="0"/>
               <a:buChar char="•"/>
             </a:pPr>
-            <a:r>
-              <a:rPr lang="en-IN" dirty="0"/>
-              <a:t>Globalisation may offer </a:t>
-            </a:r>
-            <a:r>
-              <a:rPr lang="en-IN" b="1" dirty="0"/>
-              <a:t>reduced</a:t>
-            </a:r>
-            <a:r>
-              <a:rPr lang="en-IN" dirty="0"/>
-              <a:t> </a:t>
-            </a:r>
-            <a:r>
-              <a:rPr lang="en-IN" b="1" dirty="0"/>
-              <a:t>cost of capital for corporates</a:t>
-            </a:r>
-            <a:r>
-              <a:rPr lang="en-IN" dirty="0"/>
-              <a:t>, especially while raising </a:t>
-            </a:r>
-            <a:r>
-              <a:rPr lang="en-IN" b="1" dirty="0"/>
-              <a:t>substantial amount</a:t>
-            </a:r>
-            <a:r>
-              <a:rPr lang="en-IN" dirty="0"/>
-              <a:t>.</a:t>
-            </a:r>
+            <a:endParaRPr lang="en-US" dirty="0"/>
           </a:p>
           <a:p>
             <a:pPr>
@@ -6598,7 +6521,7 @@
           <a:p>
             <a:r>
               <a:rPr lang="en-IN" dirty="0"/>
-              <a:t>Globalisation of Financial Markets</a:t>
+              <a:t>Financial Markets: Participants</a:t>
             </a:r>
           </a:p>
         </p:txBody>
@@ -6626,7 +6549,7 @@
           <a:p>
             <a:fld id="{881A98AD-4956-456D-B4B5-6E8091612E86}" type="datetime1">
               <a:rPr lang="en-US" smtClean="0"/>
-              <a:t>27-Jul-24</a:t>
+              <a:t>9/18/2024</a:t>
             </a:fld>
             <a:endParaRPr lang="en-US" dirty="0"/>
           </a:p>
@@ -6665,7 +6588,7 @@
     </p:spTree>
     <p:extLst>
       <p:ext uri="{BB962C8B-B14F-4D97-AF65-F5344CB8AC3E}">
-        <p14:creationId xmlns:p14="http://schemas.microsoft.com/office/powerpoint/2010/main" val="3075801403"/>
+        <p14:creationId xmlns:p14="http://schemas.microsoft.com/office/powerpoint/2010/main" val="1274594731"/>
       </p:ext>
     </p:extLst>
   </p:cSld>
@@ -6716,7 +6639,7 @@
         </p:spPr>
         <p:txBody>
           <a:bodyPr>
-            <a:normAutofit/>
+            <a:normAutofit fontScale="92500"/>
           </a:bodyPr>
           <a:lstStyle/>
           <a:p>
@@ -6726,7 +6649,7 @@
             </a:pPr>
             <a:r>
               <a:rPr lang="en-US" dirty="0"/>
-              <a:t>In their regulatory capacities, governments have greatly influenced the development and evolution of financial markets and institutions.</a:t>
+              <a:t>Globalization means the integration of financial markets throughout the world into an international financial market.</a:t>
             </a:r>
           </a:p>
           <a:p>
@@ -6735,8 +6658,28 @@
               <a:buChar char="•"/>
             </a:pPr>
             <a:r>
+              <a:rPr lang="en-IN" dirty="0"/>
+              <a:t>Raising funds from other countries</a:t>
+            </a:r>
+          </a:p>
+          <a:p>
+            <a:pPr>
+              <a:buFont typeface="Arial" panose="020B0604020202020204" pitchFamily="34" charset="0"/>
+              <a:buChar char="•"/>
+            </a:pPr>
+            <a:r>
+              <a:rPr lang="en-IN" dirty="0"/>
+              <a:t>Investing in the other countries</a:t>
+            </a:r>
+          </a:p>
+          <a:p>
+            <a:pPr>
+              <a:buFont typeface="Arial" panose="020B0604020202020204" pitchFamily="34" charset="0"/>
+              <a:buChar char="•"/>
+            </a:pPr>
+            <a:r>
               <a:rPr lang="en-US" dirty="0"/>
-              <a:t>The numerous rules and regulations are designed to serve several purposes, such as:</a:t>
+              <a:t>The reasons for globalization are:</a:t>
             </a:r>
           </a:p>
           <a:p>
@@ -6745,16 +6688,8 @@
               <a:buChar char="•"/>
             </a:pPr>
             <a:r>
-              <a:rPr lang="en-US" sz="2000" dirty="0"/>
-              <a:t>To </a:t>
-            </a:r>
-            <a:r>
-              <a:rPr lang="en-US" sz="2000" b="1" dirty="0"/>
-              <a:t>prevent fraud </a:t>
-            </a:r>
-            <a:r>
-              <a:rPr lang="en-US" sz="2000" dirty="0"/>
-              <a:t>with retail investors</a:t>
+              <a:rPr lang="en-IN" sz="1900" b="1" dirty="0"/>
+              <a:t>Deregulation or liberalisation</a:t>
             </a:r>
           </a:p>
           <a:p>
@@ -6763,16 +6698,12 @@
               <a:buChar char="•"/>
             </a:pPr>
             <a:r>
-              <a:rPr lang="en-US" sz="2000" dirty="0"/>
-              <a:t>Regarding </a:t>
-            </a:r>
-            <a:r>
-              <a:rPr lang="en-US" sz="2000" b="1" dirty="0"/>
-              <a:t>Disclosure</a:t>
-            </a:r>
-            <a:r>
-              <a:rPr lang="en-US" sz="2000" dirty="0"/>
-              <a:t> of certain relevant information</a:t>
+              <a:rPr lang="en-US" sz="1900" b="1" dirty="0"/>
+              <a:t>Technological advances </a:t>
+            </a:r>
+            <a:r>
+              <a:rPr lang="en-US" sz="1900" dirty="0"/>
+              <a:t>(for monitoring world markets, executing orders, and analyzing financial opportunities)</a:t>
             </a:r>
           </a:p>
           <a:p>
@@ -6781,63 +6712,68 @@
               <a:buChar char="•"/>
             </a:pPr>
             <a:r>
-              <a:rPr lang="en-US" sz="2000" dirty="0"/>
-              <a:t>To </a:t>
-            </a:r>
-            <a:r>
-              <a:rPr lang="en-US" sz="2000" b="1" dirty="0"/>
-              <a:t>promote competition and fairness </a:t>
-            </a:r>
-            <a:r>
-              <a:rPr lang="en-US" sz="2000" dirty="0"/>
-              <a:t>in the trading of financial securities</a:t>
-            </a:r>
-          </a:p>
-          <a:p>
-            <a:pPr lvl="1">
+              <a:rPr lang="en-US" sz="1900" b="1" dirty="0"/>
+              <a:t>Increased participation of institutions </a:t>
+            </a:r>
+            <a:r>
+              <a:rPr lang="en-US" sz="1900" dirty="0"/>
+              <a:t>in the international markets (pension funds, insurance companies, mutual funds, commercial banks)</a:t>
+            </a:r>
+          </a:p>
+          <a:p>
+            <a:pPr>
               <a:buFont typeface="Arial" panose="020B0604020202020204" pitchFamily="34" charset="0"/>
               <a:buChar char="•"/>
             </a:pPr>
             <a:r>
-              <a:rPr lang="en-US" sz="2000" dirty="0"/>
-              <a:t>To </a:t>
-            </a:r>
-            <a:r>
-              <a:rPr lang="en-US" sz="2000" b="1" dirty="0"/>
-              <a:t>promote stability </a:t>
-            </a:r>
-            <a:r>
-              <a:rPr lang="en-US" sz="2000" dirty="0"/>
-              <a:t>in the economic system</a:t>
-            </a:r>
-          </a:p>
-          <a:p>
-            <a:pPr lvl="1">
+              <a:rPr lang="en-IN" dirty="0"/>
+              <a:t>Globalisation improves </a:t>
+            </a:r>
+            <a:r>
+              <a:rPr lang="en-IN" b="1" dirty="0"/>
+              <a:t>portfolio diversification </a:t>
+            </a:r>
+            <a:r>
+              <a:rPr lang="en-IN" dirty="0"/>
+              <a:t>for individuals/institutes</a:t>
+            </a:r>
+          </a:p>
+          <a:p>
+            <a:pPr>
               <a:buFont typeface="Arial" panose="020B0604020202020204" pitchFamily="34" charset="0"/>
               <a:buChar char="•"/>
             </a:pPr>
             <a:r>
-              <a:rPr lang="en-US" sz="2000" dirty="0"/>
-              <a:t>To </a:t>
-            </a:r>
-            <a:r>
-              <a:rPr lang="en-US" sz="2000" b="1" dirty="0"/>
-              <a:t>restrict the activities of foreign concerns </a:t>
-            </a:r>
-            <a:r>
-              <a:rPr lang="en-US" sz="2000" dirty="0"/>
-              <a:t>in domestic markets and institutions</a:t>
-            </a:r>
-          </a:p>
-          <a:p>
-            <a:pPr lvl="1">
-              <a:buFont typeface="Arial" panose="020B0604020202020204" pitchFamily="34" charset="0"/>
-              <a:buChar char="•"/>
-            </a:pPr>
-            <a:endParaRPr lang="en-US" dirty="0"/>
-          </a:p>
-          <a:p>
-            <a:pPr lvl="1">
+              <a:rPr lang="en-IN" dirty="0"/>
+              <a:t>Globalisation may offer </a:t>
+            </a:r>
+            <a:r>
+              <a:rPr lang="en-IN" b="1" dirty="0"/>
+              <a:t>reduced</a:t>
+            </a:r>
+            <a:r>
+              <a:rPr lang="en-IN" dirty="0"/>
+              <a:t> </a:t>
+            </a:r>
+            <a:r>
+              <a:rPr lang="en-IN" b="1" dirty="0"/>
+              <a:t>cost of capital for corporates</a:t>
+            </a:r>
+            <a:r>
+              <a:rPr lang="en-IN" dirty="0"/>
+              <a:t>, especially while raising </a:t>
+            </a:r>
+            <a:r>
+              <a:rPr lang="en-IN" b="1" dirty="0"/>
+              <a:t>substantial amount</a:t>
+            </a:r>
+            <a:r>
+              <a:rPr lang="en-IN" dirty="0"/>
+              <a:t>.</a:t>
+            </a:r>
+          </a:p>
+          <a:p>
+            <a:pPr>
               <a:buFont typeface="Arial" panose="020B0604020202020204" pitchFamily="34" charset="0"/>
               <a:buChar char="•"/>
             </a:pPr>
@@ -6868,7 +6804,7 @@
           <a:p>
             <a:r>
               <a:rPr lang="en-IN" dirty="0"/>
-              <a:t>Role of Government in Financial Markets</a:t>
+              <a:t>Globalisation of Financial Markets</a:t>
             </a:r>
           </a:p>
         </p:txBody>
@@ -6896,7 +6832,7 @@
           <a:p>
             <a:fld id="{881A98AD-4956-456D-B4B5-6E8091612E86}" type="datetime1">
               <a:rPr lang="en-US" smtClean="0"/>
-              <a:t>27-Jul-24</a:t>
+              <a:t>9/18/2024</a:t>
             </a:fld>
             <a:endParaRPr lang="en-US" dirty="0"/>
           </a:p>
@@ -6935,7 +6871,7 @@
     </p:spTree>
     <p:extLst>
       <p:ext uri="{BB962C8B-B14F-4D97-AF65-F5344CB8AC3E}">
-        <p14:creationId xmlns:p14="http://schemas.microsoft.com/office/powerpoint/2010/main" val="2729206448"/>
+        <p14:creationId xmlns:p14="http://schemas.microsoft.com/office/powerpoint/2010/main" val="3075801403"/>
       </p:ext>
     </p:extLst>
   </p:cSld>
@@ -6995,8 +6931,8 @@
               <a:buChar char="•"/>
             </a:pPr>
             <a:r>
-              <a:rPr lang="en-IN" dirty="0"/>
-              <a:t>Innovative financial products have come to market to maximize the returns, reduce the risk, diversify across asset classes, access international markets, and much more. For example, Non-voting equity shares (Tata motors DVR shares), inflation-indexed bonds, Theme-based ETFs (ESG, AI, etc.), CDS, etc.</a:t>
+              <a:rPr lang="en-US" dirty="0"/>
+              <a:t>In their regulatory capacities, governments have greatly influenced the development and evolution of financial markets and institutions.</a:t>
             </a:r>
           </a:p>
           <a:p>
@@ -7005,8 +6941,8 @@
               <a:buChar char="•"/>
             </a:pPr>
             <a:r>
-              <a:rPr lang="en-IN" dirty="0"/>
-              <a:t>The causes of financial innovations are:</a:t>
+              <a:rPr lang="en-US" dirty="0"/>
+              <a:t>The numerous rules and regulations are designed to serve several purposes, such as:</a:t>
             </a:r>
           </a:p>
           <a:p>
@@ -7015,12 +6951,16 @@
               <a:buChar char="•"/>
             </a:pPr>
             <a:r>
-              <a:rPr lang="en-US" sz="1800" b="1" dirty="0"/>
-              <a:t>Increased volatility </a:t>
-            </a:r>
-            <a:r>
-              <a:rPr lang="en-US" sz="1800" dirty="0"/>
-              <a:t>of interest rates, inflation, equity prices, and exchange rates</a:t>
+              <a:rPr lang="en-US" sz="2000" dirty="0"/>
+              <a:t>To </a:t>
+            </a:r>
+            <a:r>
+              <a:rPr lang="en-US" sz="2000" b="1" dirty="0"/>
+              <a:t>prevent fraud </a:t>
+            </a:r>
+            <a:r>
+              <a:rPr lang="en-US" sz="2000" dirty="0"/>
+              <a:t>with retail investors</a:t>
             </a:r>
           </a:p>
           <a:p>
@@ -7029,12 +6969,16 @@
               <a:buChar char="•"/>
             </a:pPr>
             <a:r>
-              <a:rPr lang="en-US" sz="1800" b="1" dirty="0"/>
-              <a:t>Advances in computer </a:t>
-            </a:r>
-            <a:r>
-              <a:rPr lang="en-US" sz="1800" dirty="0"/>
-              <a:t>and telecommunication technologies</a:t>
+              <a:rPr lang="en-US" sz="2000" dirty="0"/>
+              <a:t>Regarding </a:t>
+            </a:r>
+            <a:r>
+              <a:rPr lang="en-US" sz="2000" b="1" dirty="0"/>
+              <a:t>Disclosure</a:t>
+            </a:r>
+            <a:r>
+              <a:rPr lang="en-US" sz="2000" dirty="0"/>
+              <a:t> of certain relevant information</a:t>
             </a:r>
           </a:p>
           <a:p>
@@ -7043,12 +6987,16 @@
               <a:buChar char="•"/>
             </a:pPr>
             <a:r>
-              <a:rPr lang="en-US" sz="1800" b="1" dirty="0"/>
-              <a:t>Greater sophistication </a:t>
-            </a:r>
-            <a:r>
-              <a:rPr lang="en-US" sz="1800" dirty="0"/>
-              <a:t>and educational training among professional market participants</a:t>
+              <a:rPr lang="en-US" sz="2000" dirty="0"/>
+              <a:t>To </a:t>
+            </a:r>
+            <a:r>
+              <a:rPr lang="en-US" sz="2000" b="1" dirty="0"/>
+              <a:t>promote competition and fairness </a:t>
+            </a:r>
+            <a:r>
+              <a:rPr lang="en-US" sz="2000" dirty="0"/>
+              <a:t>in the trading of financial securities</a:t>
             </a:r>
           </a:p>
           <a:p>
@@ -7057,12 +7005,16 @@
               <a:buChar char="•"/>
             </a:pPr>
             <a:r>
-              <a:rPr lang="en-US" sz="1800" dirty="0"/>
-              <a:t>Financial intermediary </a:t>
-            </a:r>
-            <a:r>
-              <a:rPr lang="en-US" sz="1800" b="1" dirty="0"/>
-              <a:t>competition</a:t>
+              <a:rPr lang="en-US" sz="2000" dirty="0"/>
+              <a:t>To </a:t>
+            </a:r>
+            <a:r>
+              <a:rPr lang="en-US" sz="2000" b="1" dirty="0"/>
+              <a:t>promote stability </a:t>
+            </a:r>
+            <a:r>
+              <a:rPr lang="en-US" sz="2000" dirty="0"/>
+              <a:t>in the economic system</a:t>
             </a:r>
           </a:p>
           <a:p>
@@ -7071,13 +7023,31 @@
               <a:buChar char="•"/>
             </a:pPr>
             <a:r>
-              <a:rPr lang="en-US" sz="1800" dirty="0"/>
-              <a:t>Incentives to get benefit from existing </a:t>
-            </a:r>
-            <a:r>
-              <a:rPr lang="en-US" sz="1800" b="1" dirty="0"/>
-              <a:t>regulation and tax laws</a:t>
-            </a:r>
+              <a:rPr lang="en-US" sz="2000" dirty="0"/>
+              <a:t>To </a:t>
+            </a:r>
+            <a:r>
+              <a:rPr lang="en-US" sz="2000" b="1" dirty="0"/>
+              <a:t>restrict the activities of foreign concerns </a:t>
+            </a:r>
+            <a:r>
+              <a:rPr lang="en-US" sz="2000" dirty="0"/>
+              <a:t>in domestic markets and institutions</a:t>
+            </a:r>
+          </a:p>
+          <a:p>
+            <a:pPr lvl="1">
+              <a:buFont typeface="Arial" panose="020B0604020202020204" pitchFamily="34" charset="0"/>
+              <a:buChar char="•"/>
+            </a:pPr>
+            <a:endParaRPr lang="en-US" dirty="0"/>
+          </a:p>
+          <a:p>
+            <a:pPr lvl="1">
+              <a:buFont typeface="Arial" panose="020B0604020202020204" pitchFamily="34" charset="0"/>
+              <a:buChar char="•"/>
+            </a:pPr>
+            <a:endParaRPr lang="en-IN" dirty="0"/>
           </a:p>
         </p:txBody>
       </p:sp>
@@ -7104,7 +7074,7 @@
           <a:p>
             <a:r>
               <a:rPr lang="en-IN" dirty="0"/>
-              <a:t>Financial Innovation</a:t>
+              <a:t>Role of Government in Financial Markets</a:t>
             </a:r>
           </a:p>
         </p:txBody>
@@ -7132,7 +7102,7 @@
           <a:p>
             <a:fld id="{881A98AD-4956-456D-B4B5-6E8091612E86}" type="datetime1">
               <a:rPr lang="en-US" smtClean="0"/>
-              <a:t>27-Jul-24</a:t>
+              <a:t>9/18/2024</a:t>
             </a:fld>
             <a:endParaRPr lang="en-US" dirty="0"/>
           </a:p>
@@ -7171,7 +7141,7 @@
     </p:spTree>
     <p:extLst>
       <p:ext uri="{BB962C8B-B14F-4D97-AF65-F5344CB8AC3E}">
-        <p14:creationId xmlns:p14="http://schemas.microsoft.com/office/powerpoint/2010/main" val="2488536104"/>
+        <p14:creationId xmlns:p14="http://schemas.microsoft.com/office/powerpoint/2010/main" val="2729206448"/>
       </p:ext>
     </p:extLst>
   </p:cSld>
@@ -7200,6 +7170,242 @@
       </p:grpSpPr>
       <p:sp>
         <p:nvSpPr>
+          <p:cNvPr id="3" name="Content Placeholder 2">
+            <a:extLst>
+              <a:ext uri="{FF2B5EF4-FFF2-40B4-BE49-F238E27FC236}">
+                <a16:creationId xmlns:a16="http://schemas.microsoft.com/office/drawing/2014/main" id="{C72308CC-9CC9-4C7E-8E4D-E34F236C4112}"/>
+              </a:ext>
+            </a:extLst>
+          </p:cNvPr>
+          <p:cNvSpPr>
+            <a:spLocks noGrp="1"/>
+          </p:cNvSpPr>
+          <p:nvPr>
+            <p:ph idx="1"/>
+          </p:nvPr>
+        </p:nvSpPr>
+        <p:spPr>
+          <a:xfrm>
+            <a:off x="304800" y="1493837"/>
+            <a:ext cx="8229600" cy="4983163"/>
+          </a:xfrm>
+        </p:spPr>
+        <p:txBody>
+          <a:bodyPr>
+            <a:normAutofit/>
+          </a:bodyPr>
+          <a:lstStyle/>
+          <a:p>
+            <a:pPr>
+              <a:buFont typeface="Arial" panose="020B0604020202020204" pitchFamily="34" charset="0"/>
+              <a:buChar char="•"/>
+            </a:pPr>
+            <a:r>
+              <a:rPr lang="en-IN" dirty="0"/>
+              <a:t>Innovative financial products have come to market to maximize the returns, reduce the risk, diversify across asset classes, access international markets, and much more. For example, Non-voting equity shares (Tata motors DVR shares), inflation-indexed bonds, Theme-based ETFs (ESG, AI, etc.), CDS, etc.</a:t>
+            </a:r>
+          </a:p>
+          <a:p>
+            <a:pPr>
+              <a:buFont typeface="Arial" panose="020B0604020202020204" pitchFamily="34" charset="0"/>
+              <a:buChar char="•"/>
+            </a:pPr>
+            <a:r>
+              <a:rPr lang="en-IN" dirty="0"/>
+              <a:t>The causes of financial innovations are:</a:t>
+            </a:r>
+          </a:p>
+          <a:p>
+            <a:pPr lvl="1">
+              <a:buFont typeface="Arial" panose="020B0604020202020204" pitchFamily="34" charset="0"/>
+              <a:buChar char="•"/>
+            </a:pPr>
+            <a:r>
+              <a:rPr lang="en-US" sz="1800" b="1" dirty="0"/>
+              <a:t>Increased volatility </a:t>
+            </a:r>
+            <a:r>
+              <a:rPr lang="en-US" sz="1800" dirty="0"/>
+              <a:t>of interest rates, inflation, equity prices, and exchange rates</a:t>
+            </a:r>
+          </a:p>
+          <a:p>
+            <a:pPr lvl="1">
+              <a:buFont typeface="Arial" panose="020B0604020202020204" pitchFamily="34" charset="0"/>
+              <a:buChar char="•"/>
+            </a:pPr>
+            <a:r>
+              <a:rPr lang="en-US" sz="1800" b="1" dirty="0"/>
+              <a:t>Advances in computer </a:t>
+            </a:r>
+            <a:r>
+              <a:rPr lang="en-US" sz="1800" dirty="0"/>
+              <a:t>and telecommunication technologies</a:t>
+            </a:r>
+          </a:p>
+          <a:p>
+            <a:pPr lvl="1">
+              <a:buFont typeface="Arial" panose="020B0604020202020204" pitchFamily="34" charset="0"/>
+              <a:buChar char="•"/>
+            </a:pPr>
+            <a:r>
+              <a:rPr lang="en-US" sz="1800" b="1" dirty="0"/>
+              <a:t>Greater sophistication </a:t>
+            </a:r>
+            <a:r>
+              <a:rPr lang="en-US" sz="1800" dirty="0"/>
+              <a:t>and educational training among professional market participants</a:t>
+            </a:r>
+          </a:p>
+          <a:p>
+            <a:pPr lvl="1">
+              <a:buFont typeface="Arial" panose="020B0604020202020204" pitchFamily="34" charset="0"/>
+              <a:buChar char="•"/>
+            </a:pPr>
+            <a:r>
+              <a:rPr lang="en-US" sz="1800" dirty="0"/>
+              <a:t>Financial intermediary </a:t>
+            </a:r>
+            <a:r>
+              <a:rPr lang="en-US" sz="1800" b="1" dirty="0"/>
+              <a:t>competition</a:t>
+            </a:r>
+          </a:p>
+          <a:p>
+            <a:pPr lvl="1">
+              <a:buFont typeface="Arial" panose="020B0604020202020204" pitchFamily="34" charset="0"/>
+              <a:buChar char="•"/>
+            </a:pPr>
+            <a:r>
+              <a:rPr lang="en-US" sz="1800" dirty="0"/>
+              <a:t>Incentives to get benefit from existing </a:t>
+            </a:r>
+            <a:r>
+              <a:rPr lang="en-US" sz="1800" b="1" dirty="0"/>
+              <a:t>regulation and tax laws</a:t>
+            </a:r>
+          </a:p>
+        </p:txBody>
+      </p:sp>
+      <p:sp>
+        <p:nvSpPr>
+          <p:cNvPr id="4" name="Content Placeholder 3">
+            <a:extLst>
+              <a:ext uri="{FF2B5EF4-FFF2-40B4-BE49-F238E27FC236}">
+                <a16:creationId xmlns:a16="http://schemas.microsoft.com/office/drawing/2014/main" id="{0B697B44-7999-4B08-B7EA-2C2A5D4AB1E4}"/>
+              </a:ext>
+            </a:extLst>
+          </p:cNvPr>
+          <p:cNvSpPr>
+            <a:spLocks noGrp="1"/>
+          </p:cNvSpPr>
+          <p:nvPr>
+            <p:ph sz="quarter" idx="10"/>
+          </p:nvPr>
+        </p:nvSpPr>
+        <p:spPr/>
+        <p:txBody>
+          <a:bodyPr/>
+          <a:lstStyle/>
+          <a:p>
+            <a:r>
+              <a:rPr lang="en-IN" dirty="0"/>
+              <a:t>Financial Innovation</a:t>
+            </a:r>
+          </a:p>
+        </p:txBody>
+      </p:sp>
+      <p:sp>
+        <p:nvSpPr>
+          <p:cNvPr id="2" name="Date Placeholder 1">
+            <a:extLst>
+              <a:ext uri="{FF2B5EF4-FFF2-40B4-BE49-F238E27FC236}">
+                <a16:creationId xmlns:a16="http://schemas.microsoft.com/office/drawing/2014/main" id="{3C07344F-E277-42EB-B2BC-EC055654EA23}"/>
+              </a:ext>
+            </a:extLst>
+          </p:cNvPr>
+          <p:cNvSpPr>
+            <a:spLocks noGrp="1"/>
+          </p:cNvSpPr>
+          <p:nvPr>
+            <p:ph type="dt" sz="half" idx="2"/>
+          </p:nvPr>
+        </p:nvSpPr>
+        <p:spPr/>
+        <p:txBody>
+          <a:bodyPr/>
+          <a:lstStyle/>
+          <a:p>
+            <a:fld id="{881A98AD-4956-456D-B4B5-6E8091612E86}" type="datetime1">
+              <a:rPr lang="en-US" smtClean="0"/>
+              <a:t>9/18/2024</a:t>
+            </a:fld>
+            <a:endParaRPr lang="en-US" dirty="0"/>
+          </a:p>
+        </p:txBody>
+      </p:sp>
+      <p:sp>
+        <p:nvSpPr>
+          <p:cNvPr id="6" name="Slide Number Placeholder 5">
+            <a:extLst>
+              <a:ext uri="{FF2B5EF4-FFF2-40B4-BE49-F238E27FC236}">
+                <a16:creationId xmlns:a16="http://schemas.microsoft.com/office/drawing/2014/main" id="{46DC1742-C8D1-44AD-88FC-2EB5AB851272}"/>
+              </a:ext>
+            </a:extLst>
+          </p:cNvPr>
+          <p:cNvSpPr>
+            <a:spLocks noGrp="1"/>
+          </p:cNvSpPr>
+          <p:nvPr>
+            <p:ph type="sldNum" sz="quarter" idx="4"/>
+          </p:nvPr>
+        </p:nvSpPr>
+        <p:spPr/>
+        <p:txBody>
+          <a:bodyPr/>
+          <a:lstStyle/>
+          <a:p>
+            <a:fld id="{BC8D7E44-7D4F-4942-A8C9-2DF6BF8399E8}" type="slidenum">
+              <a:rPr lang="en-US" smtClean="0"/>
+              <a:pPr/>
+              <a:t>16</a:t>
+            </a:fld>
+            <a:endParaRPr lang="en-US"/>
+          </a:p>
+        </p:txBody>
+      </p:sp>
+    </p:spTree>
+    <p:extLst>
+      <p:ext uri="{BB962C8B-B14F-4D97-AF65-F5344CB8AC3E}">
+        <p14:creationId xmlns:p14="http://schemas.microsoft.com/office/powerpoint/2010/main" val="2488536104"/>
+      </p:ext>
+    </p:extLst>
+  </p:cSld>
+  <p:clrMapOvr>
+    <a:masterClrMapping/>
+  </p:clrMapOvr>
+</p:sld>
+</file>
+
+<file path=ppt/slides/slide17.xml><?xml version="1.0" encoding="utf-8"?>
+<p:sld xmlns:a="http://schemas.openxmlformats.org/drawingml/2006/main" xmlns:r="http://schemas.openxmlformats.org/officeDocument/2006/relationships" xmlns:p="http://schemas.openxmlformats.org/presentationml/2006/main">
+  <p:cSld>
+    <p:spTree>
+      <p:nvGrpSpPr>
+        <p:cNvPr id="1" name=""/>
+        <p:cNvGrpSpPr/>
+        <p:nvPr/>
+      </p:nvGrpSpPr>
+      <p:grpSpPr>
+        <a:xfrm>
+          <a:off x="0" y="0"/>
+          <a:ext cx="0" cy="0"/>
+          <a:chOff x="0" y="0"/>
+          <a:chExt cx="0" cy="0"/>
+        </a:xfrm>
+      </p:grpSpPr>
+      <p:sp>
+        <p:nvSpPr>
           <p:cNvPr id="7" name="Content Placeholder 6">
             <a:extLst>
               <a:ext uri="{FF2B5EF4-FFF2-40B4-BE49-F238E27FC236}">
@@ -7260,7 +7466,7 @@
           <a:p>
             <a:fld id="{AA51CD4A-ACA3-40E1-B37E-D41A396BC798}" type="datetime1">
               <a:rPr lang="en-US" smtClean="0"/>
-              <a:t>27-Jul-24</a:t>
+              <a:t>9/18/2024</a:t>
             </a:fld>
             <a:endParaRPr lang="en-US" dirty="0"/>
           </a:p>
@@ -7295,7 +7501,7 @@
             <a:fld id="{BC8D7E44-7D4F-4942-A8C9-2DF6BF8399E8}" type="slidenum">
               <a:rPr lang="en-US" smtClean="0"/>
               <a:pPr/>
-              <a:t>16</a:t>
+              <a:t>17</a:t>
             </a:fld>
             <a:endParaRPr lang="en-US"/>
           </a:p>
@@ -7560,7 +7766,7 @@
           <a:p>
             <a:fld id="{15B30CB4-37E4-4A96-A0F6-4F83322468E2}" type="datetime1">
               <a:rPr lang="en-US" smtClean="0"/>
-              <a:t>27-Jul-24</a:t>
+              <a:t>9/18/2024</a:t>
             </a:fld>
             <a:endParaRPr lang="en-US" dirty="0"/>
           </a:p>
@@ -7758,7 +7964,7 @@
           <a:p>
             <a:fld id="{15B30CB4-37E4-4A96-A0F6-4F83322468E2}" type="datetime1">
               <a:rPr lang="en-US" smtClean="0"/>
-              <a:t>27-Jul-24</a:t>
+              <a:t>9/18/2024</a:t>
             </a:fld>
             <a:endParaRPr lang="en-US" dirty="0"/>
           </a:p>
@@ -8044,7 +8250,7 @@
           <a:p>
             <a:fld id="{881A98AD-4956-456D-B4B5-6E8091612E86}" type="datetime1">
               <a:rPr lang="en-US" smtClean="0"/>
-              <a:t>27-Jul-24</a:t>
+              <a:t>9/18/2024</a:t>
             </a:fld>
             <a:endParaRPr lang="en-US" dirty="0"/>
           </a:p>
@@ -8272,7 +8478,7 @@
           <a:p>
             <a:fld id="{881A98AD-4956-456D-B4B5-6E8091612E86}" type="datetime1">
               <a:rPr lang="en-US" smtClean="0"/>
-              <a:t>27-Jul-24</a:t>
+              <a:t>9/18/2024</a:t>
             </a:fld>
             <a:endParaRPr lang="en-US" dirty="0"/>
           </a:p>
@@ -8517,7 +8723,7 @@
           <a:p>
             <a:fld id="{881A98AD-4956-456D-B4B5-6E8091612E86}" type="datetime1">
               <a:rPr lang="en-US" smtClean="0"/>
-              <a:t>27-Jul-24</a:t>
+              <a:t>9/18/2024</a:t>
             </a:fld>
             <a:endParaRPr lang="en-US" dirty="0"/>
           </a:p>
@@ -8766,7 +8972,7 @@
           <a:p>
             <a:fld id="{881A98AD-4956-456D-B4B5-6E8091612E86}" type="datetime1">
               <a:rPr lang="en-US" smtClean="0"/>
-              <a:t>27-Jul-24</a:t>
+              <a:t>9/18/2024</a:t>
             </a:fld>
             <a:endParaRPr lang="en-US" dirty="0"/>
           </a:p>
@@ -8968,7 +9174,7 @@
           <a:p>
             <a:fld id="{881A98AD-4956-456D-B4B5-6E8091612E86}" type="datetime1">
               <a:rPr lang="en-US" smtClean="0"/>
-              <a:t>27-Jul-24</a:t>
+              <a:t>9/18/2024</a:t>
             </a:fld>
             <a:endParaRPr lang="en-US" dirty="0"/>
           </a:p>
@@ -9039,95 +9245,7 @@
           <p:cNvPr id="3" name="Content Placeholder 2">
             <a:extLst>
               <a:ext uri="{FF2B5EF4-FFF2-40B4-BE49-F238E27FC236}">
-                <a16:creationId xmlns:a16="http://schemas.microsoft.com/office/drawing/2014/main" id="{C72308CC-9CC9-4C7E-8E4D-E34F236C4112}"/>
-              </a:ext>
-            </a:extLst>
-          </p:cNvPr>
-          <p:cNvSpPr>
-            <a:spLocks noGrp="1"/>
-          </p:cNvSpPr>
-          <p:nvPr>
-            <p:ph idx="1"/>
-          </p:nvPr>
-        </p:nvSpPr>
-        <p:spPr>
-          <a:xfrm>
-            <a:off x="304800" y="1493837"/>
-            <a:ext cx="8229600" cy="4983163"/>
-          </a:xfrm>
-        </p:spPr>
-        <p:txBody>
-          <a:bodyPr>
-            <a:normAutofit/>
-          </a:bodyPr>
-          <a:lstStyle/>
-          <a:p>
-            <a:pPr>
-              <a:buFont typeface="Arial" panose="020B0604020202020204" pitchFamily="34" charset="0"/>
-              <a:buChar char="•"/>
-            </a:pPr>
-            <a:r>
-              <a:rPr lang="en-US" dirty="0"/>
-              <a:t>Price of any financial asset is equal to the </a:t>
-            </a:r>
-            <a:r>
-              <a:rPr lang="en-US" b="1" dirty="0"/>
-              <a:t>present value of its expected cash flow</a:t>
-            </a:r>
-            <a:r>
-              <a:rPr lang="en-US" dirty="0"/>
-              <a:t>, even if the cash flow is not known with certainty.</a:t>
-            </a:r>
-          </a:p>
-          <a:p>
-            <a:pPr>
-              <a:buFont typeface="Arial" panose="020B0604020202020204" pitchFamily="34" charset="0"/>
-              <a:buChar char="•"/>
-            </a:pPr>
-            <a:endParaRPr lang="en-US" dirty="0"/>
-          </a:p>
-          <a:p>
-            <a:pPr>
-              <a:buFont typeface="Arial" panose="020B0604020202020204" pitchFamily="34" charset="0"/>
-              <a:buChar char="•"/>
-            </a:pPr>
-            <a:r>
-              <a:rPr lang="en-US" dirty="0"/>
-              <a:t>Required rate of return (Opportunity cost of capital)</a:t>
-            </a:r>
-          </a:p>
-          <a:p>
-            <a:pPr>
-              <a:buFont typeface="Arial" panose="020B0604020202020204" pitchFamily="34" charset="0"/>
-              <a:buChar char="•"/>
-            </a:pPr>
-            <a:endParaRPr lang="en-US" dirty="0"/>
-          </a:p>
-          <a:p>
-            <a:pPr>
-              <a:buFont typeface="Arial" panose="020B0604020202020204" pitchFamily="34" charset="0"/>
-              <a:buChar char="•"/>
-            </a:pPr>
-            <a:r>
-              <a:rPr lang="en-US" dirty="0"/>
-              <a:t>Risk in financial asset: default risk, interest rate risk (for bonds), inflation risk.</a:t>
-            </a:r>
-          </a:p>
-          <a:p>
-            <a:pPr>
-              <a:buFont typeface="Arial" panose="020B0604020202020204" pitchFamily="34" charset="0"/>
-              <a:buChar char="•"/>
-            </a:pPr>
-            <a:endParaRPr lang="en-IN" dirty="0"/>
-          </a:p>
-        </p:txBody>
-      </p:sp>
-      <p:sp>
-        <p:nvSpPr>
-          <p:cNvPr id="4" name="Content Placeholder 3">
-            <a:extLst>
-              <a:ext uri="{FF2B5EF4-FFF2-40B4-BE49-F238E27FC236}">
-                <a16:creationId xmlns:a16="http://schemas.microsoft.com/office/drawing/2014/main" id="{0B697B44-7999-4B08-B7EA-2C2A5D4AB1E4}"/>
+                <a16:creationId xmlns:a16="http://schemas.microsoft.com/office/drawing/2014/main" id="{9AD43406-DF6E-11FA-AB57-4245E31F9105}"/>
               </a:ext>
             </a:extLst>
           </p:cNvPr>
@@ -9145,17 +9263,20 @@
           <a:p>
             <a:r>
               <a:rPr lang="en-IN" dirty="0"/>
-              <a:t>Valuation of financial asset</a:t>
-            </a:r>
-          </a:p>
-        </p:txBody>
-      </p:sp>
-      <p:sp>
-        <p:nvSpPr>
-          <p:cNvPr id="2" name="Date Placeholder 1">
+              <a:t>Additional</a:t>
+            </a:r>
+          </a:p>
+          <a:p>
+            <a:endParaRPr lang="en-IN" dirty="0"/>
+          </a:p>
+        </p:txBody>
+      </p:sp>
+      <p:sp>
+        <p:nvSpPr>
+          <p:cNvPr id="4" name="Date Placeholder 3">
             <a:extLst>
               <a:ext uri="{FF2B5EF4-FFF2-40B4-BE49-F238E27FC236}">
-                <a16:creationId xmlns:a16="http://schemas.microsoft.com/office/drawing/2014/main" id="{3C07344F-E277-42EB-B2BC-EC055654EA23}"/>
+                <a16:creationId xmlns:a16="http://schemas.microsoft.com/office/drawing/2014/main" id="{A85DA80A-15A1-C7FA-649F-01CBFD5BA28B}"/>
               </a:ext>
             </a:extLst>
           </p:cNvPr>
@@ -9171,9 +9292,9 @@
           <a:bodyPr/>
           <a:lstStyle/>
           <a:p>
-            <a:fld id="{881A98AD-4956-456D-B4B5-6E8091612E86}" type="datetime1">
+            <a:fld id="{233601E6-B4AE-4A6E-AEBD-2BD1C9DC7200}" type="datetime1">
               <a:rPr lang="en-US" smtClean="0"/>
-              <a:t>27-Jul-24</a:t>
+              <a:t>9/18/2024</a:t>
             </a:fld>
             <a:endParaRPr lang="en-US" dirty="0"/>
           </a:p>
@@ -9181,10 +9302,10 @@
       </p:sp>
       <p:sp>
         <p:nvSpPr>
-          <p:cNvPr id="6" name="Slide Number Placeholder 5">
+          <p:cNvPr id="5" name="Slide Number Placeholder 4">
             <a:extLst>
               <a:ext uri="{FF2B5EF4-FFF2-40B4-BE49-F238E27FC236}">
-                <a16:creationId xmlns:a16="http://schemas.microsoft.com/office/drawing/2014/main" id="{46DC1742-C8D1-44AD-88FC-2EB5AB851272}"/>
+                <a16:creationId xmlns:a16="http://schemas.microsoft.com/office/drawing/2014/main" id="{50AC610C-8D2E-878D-9E64-6044B171F0E9}"/>
               </a:ext>
             </a:extLst>
           </p:cNvPr>
@@ -9209,10 +9330,603 @@
           </a:p>
         </p:txBody>
       </p:sp>
+      <p:sp>
+        <p:nvSpPr>
+          <p:cNvPr id="6" name="Rectangle 1">
+            <a:extLst>
+              <a:ext uri="{FF2B5EF4-FFF2-40B4-BE49-F238E27FC236}">
+                <a16:creationId xmlns:a16="http://schemas.microsoft.com/office/drawing/2014/main" id="{C9864EB0-FDE6-7A6F-ABE2-72E2DC159054}"/>
+              </a:ext>
+            </a:extLst>
+          </p:cNvPr>
+          <p:cNvSpPr>
+            <a:spLocks noGrp="1" noChangeArrowheads="1"/>
+          </p:cNvSpPr>
+          <p:nvPr>
+            <p:ph idx="1"/>
+          </p:nvPr>
+        </p:nvSpPr>
+        <p:spPr bwMode="auto">
+          <a:xfrm>
+            <a:off x="152400" y="1728269"/>
+            <a:ext cx="7848600" cy="1631216"/>
+          </a:xfrm>
+          <a:prstGeom prst="rect">
+            <a:avLst/>
+          </a:prstGeom>
+          <a:noFill/>
+          <a:ln>
+            <a:noFill/>
+          </a:ln>
+          <a:effectLst/>
+          <a:extLst>
+            <a:ext uri="{909E8E84-426E-40DD-AFC4-6F175D3DCCD1}">
+              <a14:hiddenFill xmlns:a14="http://schemas.microsoft.com/office/drawing/2010/main">
+                <a:solidFill>
+                  <a:schemeClr val="accent1"/>
+                </a:solidFill>
+              </a14:hiddenFill>
+            </a:ext>
+            <a:ext uri="{91240B29-F687-4F45-9708-019B960494DF}">
+              <a14:hiddenLine xmlns:a14="http://schemas.microsoft.com/office/drawing/2010/main" w="9525">
+                <a:solidFill>
+                  <a:schemeClr val="tx1"/>
+                </a:solidFill>
+                <a:miter lim="800000"/>
+                <a:headEnd/>
+                <a:tailEnd/>
+              </a14:hiddenLine>
+            </a:ext>
+            <a:ext uri="{AF507438-7753-43E0-B8FC-AC1667EBCBE1}">
+              <a14:hiddenEffects xmlns:a14="http://schemas.microsoft.com/office/drawing/2010/main">
+                <a:effectLst>
+                  <a:outerShdw dist="35921" dir="2700000" algn="ctr" rotWithShape="0">
+                    <a:schemeClr val="bg2"/>
+                  </a:outerShdw>
+                </a:effectLst>
+              </a14:hiddenEffects>
+            </a:ext>
+          </a:extLst>
+        </p:spPr>
+        <p:txBody>
+          <a:bodyPr vert="horz" wrap="square" lIns="91440" tIns="45720" rIns="91440" bIns="45720" numCol="1" anchor="ctr" anchorCtr="0" compatLnSpc="1">
+            <a:prstTxWarp prst="textNoShape">
+              <a:avLst/>
+            </a:prstTxWarp>
+            <a:spAutoFit/>
+          </a:bodyPr>
+          <a:lstStyle/>
+          <a:p>
+            <a:pPr marL="0" marR="0" lvl="0" indent="0" defTabSz="914400" rtl="0" eaLnBrk="0" fontAlgn="base" latinLnBrk="0" hangingPunct="0">
+              <a:lnSpc>
+                <a:spcPct val="100000"/>
+              </a:lnSpc>
+              <a:spcBef>
+                <a:spcPct val="0"/>
+              </a:spcBef>
+              <a:spcAft>
+                <a:spcPct val="0"/>
+              </a:spcAft>
+              <a:buClrTx/>
+              <a:buSzTx/>
+              <a:buFontTx/>
+              <a:buChar char="•"/>
+              <a:tabLst/>
+            </a:pPr>
+            <a:r>
+              <a:rPr kumimoji="0" lang="en-US" altLang="en-US" sz="1800" b="1" i="0" u="none" strike="noStrike" cap="none" normalizeH="0" baseline="0" dirty="0">
+                <a:ln>
+                  <a:noFill/>
+                </a:ln>
+                <a:solidFill>
+                  <a:schemeClr val="tx1"/>
+                </a:solidFill>
+                <a:effectLst/>
+                <a:latin typeface="Arial" panose="020B0604020202020204" pitchFamily="34" charset="0"/>
+              </a:rPr>
+              <a:t>Debt</a:t>
+            </a:r>
+            <a:r>
+              <a:rPr kumimoji="0" lang="en-US" altLang="en-US" sz="1800" b="0" i="0" u="none" strike="noStrike" cap="none" normalizeH="0" baseline="0" dirty="0">
+                <a:ln>
+                  <a:noFill/>
+                </a:ln>
+                <a:solidFill>
+                  <a:schemeClr val="tx1"/>
+                </a:solidFill>
+                <a:effectLst/>
+                <a:latin typeface="Arial" panose="020B0604020202020204" pitchFamily="34" charset="0"/>
+              </a:rPr>
+              <a:t>: Borrowing money (with repayment + interest) without giving up ownership.</a:t>
+            </a:r>
+          </a:p>
+          <a:p>
+            <a:pPr marL="0" marR="0" lvl="0" indent="0" algn="l" defTabSz="914400" rtl="0" eaLnBrk="0" fontAlgn="base" latinLnBrk="0" hangingPunct="0">
+              <a:lnSpc>
+                <a:spcPct val="100000"/>
+              </a:lnSpc>
+              <a:spcBef>
+                <a:spcPct val="0"/>
+              </a:spcBef>
+              <a:spcAft>
+                <a:spcPct val="0"/>
+              </a:spcAft>
+              <a:buClrTx/>
+              <a:buSzTx/>
+              <a:buFontTx/>
+              <a:buChar char="•"/>
+              <a:tabLst/>
+            </a:pPr>
+            <a:r>
+              <a:rPr kumimoji="0" lang="en-US" altLang="en-US" sz="1800" b="1" i="0" u="none" strike="noStrike" cap="none" normalizeH="0" baseline="0" dirty="0">
+                <a:ln>
+                  <a:noFill/>
+                </a:ln>
+                <a:solidFill>
+                  <a:schemeClr val="tx1"/>
+                </a:solidFill>
+                <a:effectLst/>
+                <a:latin typeface="Arial" panose="020B0604020202020204" pitchFamily="34" charset="0"/>
+              </a:rPr>
+              <a:t>Equity</a:t>
+            </a:r>
+            <a:r>
+              <a:rPr kumimoji="0" lang="en-US" altLang="en-US" sz="1800" b="0" i="0" u="none" strike="noStrike" cap="none" normalizeH="0" baseline="0" dirty="0">
+                <a:ln>
+                  <a:noFill/>
+                </a:ln>
+                <a:solidFill>
+                  <a:schemeClr val="tx1"/>
+                </a:solidFill>
+                <a:effectLst/>
+                <a:latin typeface="Arial" panose="020B0604020202020204" pitchFamily="34" charset="0"/>
+              </a:rPr>
+              <a:t>: Selling ownership in exchange for capital, no repayment needed but you share control and profits. </a:t>
+            </a:r>
+          </a:p>
+          <a:p>
+            <a:pPr marL="0" marR="0" lvl="0" indent="0" algn="l" defTabSz="914400" rtl="0" eaLnBrk="0" fontAlgn="base" latinLnBrk="0" hangingPunct="0">
+              <a:lnSpc>
+                <a:spcPct val="100000"/>
+              </a:lnSpc>
+              <a:spcBef>
+                <a:spcPct val="0"/>
+              </a:spcBef>
+              <a:spcAft>
+                <a:spcPct val="0"/>
+              </a:spcAft>
+              <a:buClrTx/>
+              <a:buSzTx/>
+              <a:buFontTx/>
+              <a:buChar char="•"/>
+              <a:tabLst/>
+            </a:pPr>
+            <a:endParaRPr lang="en-US" altLang="en-US" sz="1800" dirty="0"/>
+          </a:p>
+          <a:p>
+            <a:pPr marL="400050" lvl="1" indent="0" eaLnBrk="0" fontAlgn="base" hangingPunct="0">
+              <a:spcBef>
+                <a:spcPct val="0"/>
+              </a:spcBef>
+              <a:spcAft>
+                <a:spcPct val="0"/>
+              </a:spcAft>
+              <a:buFontTx/>
+              <a:buChar char="•"/>
+            </a:pPr>
+            <a:endParaRPr kumimoji="0" lang="en-US" altLang="en-US" sz="1000" b="0" i="0" u="none" strike="noStrike" cap="none" normalizeH="0" baseline="0" dirty="0">
+              <a:ln>
+                <a:noFill/>
+              </a:ln>
+              <a:solidFill>
+                <a:schemeClr val="tx1"/>
+              </a:solidFill>
+              <a:effectLst/>
+              <a:latin typeface="Arial" panose="020B0604020202020204" pitchFamily="34" charset="0"/>
+            </a:endParaRPr>
+          </a:p>
+        </p:txBody>
+      </p:sp>
+      <p:sp>
+        <p:nvSpPr>
+          <p:cNvPr id="7" name="Rectangle 2">
+            <a:extLst>
+              <a:ext uri="{FF2B5EF4-FFF2-40B4-BE49-F238E27FC236}">
+                <a16:creationId xmlns:a16="http://schemas.microsoft.com/office/drawing/2014/main" id="{B3CD4DC1-70E1-0F60-9582-838DA9269FBF}"/>
+              </a:ext>
+            </a:extLst>
+          </p:cNvPr>
+          <p:cNvSpPr>
+            <a:spLocks noChangeArrowheads="1"/>
+          </p:cNvSpPr>
+          <p:nvPr/>
+        </p:nvSpPr>
+        <p:spPr bwMode="auto">
+          <a:xfrm rot="10800000" flipV="1">
+            <a:off x="269857" y="2978975"/>
+            <a:ext cx="8229600" cy="923330"/>
+          </a:xfrm>
+          <a:prstGeom prst="rect">
+            <a:avLst/>
+          </a:prstGeom>
+          <a:noFill/>
+          <a:ln>
+            <a:noFill/>
+          </a:ln>
+          <a:effectLst/>
+          <a:extLst>
+            <a:ext uri="{909E8E84-426E-40DD-AFC4-6F175D3DCCD1}">
+              <a14:hiddenFill xmlns:a14="http://schemas.microsoft.com/office/drawing/2010/main">
+                <a:solidFill>
+                  <a:schemeClr val="accent1"/>
+                </a:solidFill>
+              </a14:hiddenFill>
+            </a:ext>
+            <a:ext uri="{91240B29-F687-4F45-9708-019B960494DF}">
+              <a14:hiddenLine xmlns:a14="http://schemas.microsoft.com/office/drawing/2010/main" w="9525">
+                <a:solidFill>
+                  <a:schemeClr val="tx1"/>
+                </a:solidFill>
+                <a:miter lim="800000"/>
+                <a:headEnd/>
+                <a:tailEnd/>
+              </a14:hiddenLine>
+            </a:ext>
+            <a:ext uri="{AF507438-7753-43E0-B8FC-AC1667EBCBE1}">
+              <a14:hiddenEffects xmlns:a14="http://schemas.microsoft.com/office/drawing/2010/main">
+                <a:effectLst>
+                  <a:outerShdw dist="35921" dir="2700000" algn="ctr" rotWithShape="0">
+                    <a:schemeClr val="bg2"/>
+                  </a:outerShdw>
+                </a:effectLst>
+              </a14:hiddenEffects>
+            </a:ext>
+          </a:extLst>
+        </p:spPr>
+        <p:txBody>
+          <a:bodyPr vert="horz" wrap="square" lIns="91440" tIns="45720" rIns="91440" bIns="45720" numCol="1" anchor="ctr" anchorCtr="0" compatLnSpc="1">
+            <a:prstTxWarp prst="textNoShape">
+              <a:avLst/>
+            </a:prstTxWarp>
+            <a:spAutoFit/>
+          </a:bodyPr>
+          <a:lstStyle/>
+          <a:p>
+            <a:pPr marL="0" marR="0" lvl="0" indent="0" algn="l" defTabSz="914400" rtl="0" eaLnBrk="0" fontAlgn="base" latinLnBrk="0" hangingPunct="0">
+              <a:lnSpc>
+                <a:spcPct val="100000"/>
+              </a:lnSpc>
+              <a:spcBef>
+                <a:spcPct val="0"/>
+              </a:spcBef>
+              <a:spcAft>
+                <a:spcPct val="0"/>
+              </a:spcAft>
+              <a:buClrTx/>
+              <a:buSzTx/>
+              <a:buFontTx/>
+              <a:buChar char="•"/>
+              <a:tabLst/>
+            </a:pPr>
+            <a:r>
+              <a:rPr kumimoji="0" lang="en-US" altLang="en-US" sz="1800" b="1" i="0" u="none" strike="noStrike" cap="none" normalizeH="0" baseline="0" dirty="0">
+                <a:ln>
+                  <a:noFill/>
+                </a:ln>
+                <a:solidFill>
+                  <a:schemeClr val="tx1"/>
+                </a:solidFill>
+                <a:effectLst/>
+                <a:latin typeface="Arial" panose="020B0604020202020204" pitchFamily="34" charset="0"/>
+              </a:rPr>
+              <a:t>Bonds</a:t>
+            </a:r>
+            <a:r>
+              <a:rPr kumimoji="0" lang="en-US" altLang="en-US" sz="1800" b="0" i="0" u="none" strike="noStrike" cap="none" normalizeH="0" baseline="0" dirty="0">
+                <a:ln>
+                  <a:noFill/>
+                </a:ln>
+                <a:solidFill>
+                  <a:schemeClr val="tx1"/>
+                </a:solidFill>
+                <a:effectLst/>
+                <a:latin typeface="Arial" panose="020B0604020202020204" pitchFamily="34" charset="0"/>
+              </a:rPr>
+              <a:t>: Loans from the public or investors, paid back with interest.</a:t>
+            </a:r>
+          </a:p>
+          <a:p>
+            <a:pPr marL="0" marR="0" lvl="0" indent="0" algn="l" defTabSz="914400" rtl="0" eaLnBrk="0" fontAlgn="base" latinLnBrk="0" hangingPunct="0">
+              <a:lnSpc>
+                <a:spcPct val="100000"/>
+              </a:lnSpc>
+              <a:spcBef>
+                <a:spcPct val="0"/>
+              </a:spcBef>
+              <a:spcAft>
+                <a:spcPct val="0"/>
+              </a:spcAft>
+              <a:buClrTx/>
+              <a:buSzTx/>
+              <a:buFontTx/>
+              <a:buChar char="•"/>
+              <a:tabLst/>
+            </a:pPr>
+            <a:r>
+              <a:rPr kumimoji="0" lang="en-US" altLang="en-US" sz="1800" b="1" i="0" u="none" strike="noStrike" cap="none" normalizeH="0" baseline="0" dirty="0">
+                <a:ln>
+                  <a:noFill/>
+                </a:ln>
+                <a:solidFill>
+                  <a:schemeClr val="tx1"/>
+                </a:solidFill>
+                <a:effectLst/>
+                <a:latin typeface="Arial" panose="020B0604020202020204" pitchFamily="34" charset="0"/>
+              </a:rPr>
+              <a:t>Loans</a:t>
+            </a:r>
+            <a:r>
+              <a:rPr kumimoji="0" lang="en-US" altLang="en-US" sz="1800" b="0" i="0" u="none" strike="noStrike" cap="none" normalizeH="0" baseline="0" dirty="0">
+                <a:ln>
+                  <a:noFill/>
+                </a:ln>
+                <a:solidFill>
+                  <a:schemeClr val="tx1"/>
+                </a:solidFill>
+                <a:effectLst/>
+                <a:latin typeface="Arial" panose="020B0604020202020204" pitchFamily="34" charset="0"/>
+              </a:rPr>
+              <a:t>: Borrowing from a bank or lender, with regular payments.</a:t>
+            </a:r>
+          </a:p>
+          <a:p>
+            <a:pPr marL="0" marR="0" lvl="0" indent="0" algn="l" defTabSz="914400" rtl="0" eaLnBrk="0" fontAlgn="base" latinLnBrk="0" hangingPunct="0">
+              <a:lnSpc>
+                <a:spcPct val="100000"/>
+              </a:lnSpc>
+              <a:spcBef>
+                <a:spcPct val="0"/>
+              </a:spcBef>
+              <a:spcAft>
+                <a:spcPct val="0"/>
+              </a:spcAft>
+              <a:buClrTx/>
+              <a:buSzTx/>
+              <a:buFontTx/>
+              <a:buChar char="•"/>
+              <a:tabLst/>
+            </a:pPr>
+            <a:r>
+              <a:rPr kumimoji="0" lang="en-US" altLang="en-US" sz="1800" b="1" i="0" u="none" strike="noStrike" cap="none" normalizeH="0" baseline="0" dirty="0">
+                <a:ln>
+                  <a:noFill/>
+                </a:ln>
+                <a:solidFill>
+                  <a:schemeClr val="tx1"/>
+                </a:solidFill>
+                <a:effectLst/>
+                <a:latin typeface="Arial" panose="020B0604020202020204" pitchFamily="34" charset="0"/>
+              </a:rPr>
+              <a:t>Debentures</a:t>
+            </a:r>
+            <a:r>
+              <a:rPr kumimoji="0" lang="en-US" altLang="en-US" sz="1800" b="0" i="0" u="none" strike="noStrike" cap="none" normalizeH="0" baseline="0" dirty="0">
+                <a:ln>
+                  <a:noFill/>
+                </a:ln>
+                <a:solidFill>
+                  <a:schemeClr val="tx1"/>
+                </a:solidFill>
+                <a:effectLst/>
+                <a:latin typeface="Arial" panose="020B0604020202020204" pitchFamily="34" charset="0"/>
+              </a:rPr>
+              <a:t>: Similar to bonds but usually not backed by specific assets. </a:t>
+            </a:r>
+          </a:p>
+        </p:txBody>
+      </p:sp>
+      <p:sp>
+        <p:nvSpPr>
+          <p:cNvPr id="9" name="Rectangle 4">
+            <a:extLst>
+              <a:ext uri="{FF2B5EF4-FFF2-40B4-BE49-F238E27FC236}">
+                <a16:creationId xmlns:a16="http://schemas.microsoft.com/office/drawing/2014/main" id="{DF8DC322-33E7-718B-CC1C-D41D0657AB15}"/>
+              </a:ext>
+            </a:extLst>
+          </p:cNvPr>
+          <p:cNvSpPr>
+            <a:spLocks noChangeArrowheads="1"/>
+          </p:cNvSpPr>
+          <p:nvPr/>
+        </p:nvSpPr>
+        <p:spPr bwMode="auto">
+          <a:xfrm rot="10800000" flipV="1">
+            <a:off x="762000" y="4038600"/>
+            <a:ext cx="8001000" cy="1754326"/>
+          </a:xfrm>
+          <a:prstGeom prst="rect">
+            <a:avLst/>
+          </a:prstGeom>
+          <a:noFill/>
+          <a:ln>
+            <a:noFill/>
+          </a:ln>
+          <a:effectLst/>
+          <a:extLst>
+            <a:ext uri="{909E8E84-426E-40DD-AFC4-6F175D3DCCD1}">
+              <a14:hiddenFill xmlns:a14="http://schemas.microsoft.com/office/drawing/2010/main">
+                <a:solidFill>
+                  <a:schemeClr val="accent1"/>
+                </a:solidFill>
+              </a14:hiddenFill>
+            </a:ext>
+            <a:ext uri="{91240B29-F687-4F45-9708-019B960494DF}">
+              <a14:hiddenLine xmlns:a14="http://schemas.microsoft.com/office/drawing/2010/main" w="9525">
+                <a:solidFill>
+                  <a:schemeClr val="tx1"/>
+                </a:solidFill>
+                <a:miter lim="800000"/>
+                <a:headEnd/>
+                <a:tailEnd/>
+              </a14:hiddenLine>
+            </a:ext>
+            <a:ext uri="{AF507438-7753-43E0-B8FC-AC1667EBCBE1}">
+              <a14:hiddenEffects xmlns:a14="http://schemas.microsoft.com/office/drawing/2010/main">
+                <a:effectLst>
+                  <a:outerShdw dist="35921" dir="2700000" algn="ctr" rotWithShape="0">
+                    <a:schemeClr val="bg2"/>
+                  </a:outerShdw>
+                </a:effectLst>
+              </a14:hiddenEffects>
+            </a:ext>
+          </a:extLst>
+        </p:spPr>
+        <p:txBody>
+          <a:bodyPr vert="horz" wrap="square" lIns="91440" tIns="45720" rIns="91440" bIns="45720" numCol="1" anchor="ctr" anchorCtr="0" compatLnSpc="1">
+            <a:prstTxWarp prst="textNoShape">
+              <a:avLst/>
+            </a:prstTxWarp>
+            <a:spAutoFit/>
+          </a:bodyPr>
+          <a:lstStyle/>
+          <a:p>
+            <a:pPr marL="0" marR="0" lvl="0" indent="0" algn="l" defTabSz="914400" rtl="0" eaLnBrk="0" fontAlgn="base" latinLnBrk="0" hangingPunct="0">
+              <a:lnSpc>
+                <a:spcPct val="100000"/>
+              </a:lnSpc>
+              <a:spcBef>
+                <a:spcPct val="0"/>
+              </a:spcBef>
+              <a:spcAft>
+                <a:spcPct val="0"/>
+              </a:spcAft>
+              <a:buClrTx/>
+              <a:buSzTx/>
+              <a:buFontTx/>
+              <a:buChar char="•"/>
+              <a:tabLst/>
+            </a:pPr>
+            <a:r>
+              <a:rPr kumimoji="0" lang="en-US" altLang="en-US" sz="1800" b="1" i="0" u="none" strike="noStrike" cap="none" normalizeH="0" baseline="0" dirty="0">
+                <a:ln>
+                  <a:noFill/>
+                </a:ln>
+                <a:solidFill>
+                  <a:schemeClr val="tx1"/>
+                </a:solidFill>
+                <a:effectLst/>
+                <a:latin typeface="Arial" panose="020B0604020202020204" pitchFamily="34" charset="0"/>
+              </a:rPr>
+              <a:t>Maturity Bonds</a:t>
+            </a:r>
+            <a:r>
+              <a:rPr kumimoji="0" lang="en-US" altLang="en-US" sz="1800" b="0" i="0" u="none" strike="noStrike" cap="none" normalizeH="0" baseline="0" dirty="0">
+                <a:ln>
+                  <a:noFill/>
+                </a:ln>
+                <a:solidFill>
+                  <a:schemeClr val="tx1"/>
+                </a:solidFill>
+                <a:effectLst/>
+                <a:latin typeface="Arial" panose="020B0604020202020204" pitchFamily="34" charset="0"/>
+              </a:rPr>
+              <a:t>: Pay regular interest, and you get your investment back at a set date.</a:t>
+            </a:r>
+          </a:p>
+          <a:p>
+            <a:pPr marL="0" marR="0" lvl="0" indent="0" algn="l" defTabSz="914400" rtl="0" eaLnBrk="0" fontAlgn="base" latinLnBrk="0" hangingPunct="0">
+              <a:lnSpc>
+                <a:spcPct val="100000"/>
+              </a:lnSpc>
+              <a:spcBef>
+                <a:spcPct val="0"/>
+              </a:spcBef>
+              <a:spcAft>
+                <a:spcPct val="0"/>
+              </a:spcAft>
+              <a:buClrTx/>
+              <a:buSzTx/>
+              <a:buFontTx/>
+              <a:buChar char="•"/>
+              <a:tabLst/>
+            </a:pPr>
+            <a:r>
+              <a:rPr kumimoji="0" lang="en-US" altLang="en-US" sz="1800" b="1" i="0" u="none" strike="noStrike" cap="none" normalizeH="0" baseline="0" dirty="0">
+                <a:ln>
+                  <a:noFill/>
+                </a:ln>
+                <a:solidFill>
+                  <a:schemeClr val="tx1"/>
+                </a:solidFill>
+                <a:effectLst/>
+                <a:latin typeface="Arial" panose="020B0604020202020204" pitchFamily="34" charset="0"/>
+              </a:rPr>
+              <a:t>Zero-Coupon Bonds</a:t>
+            </a:r>
+            <a:r>
+              <a:rPr kumimoji="0" lang="en-US" altLang="en-US" sz="1800" b="0" i="0" u="none" strike="noStrike" cap="none" normalizeH="0" baseline="0" dirty="0">
+                <a:ln>
+                  <a:noFill/>
+                </a:ln>
+                <a:solidFill>
+                  <a:schemeClr val="tx1"/>
+                </a:solidFill>
+                <a:effectLst/>
+                <a:latin typeface="Arial" panose="020B0604020202020204" pitchFamily="34" charset="0"/>
+              </a:rPr>
+              <a:t>: No regular interest payments; you buy at a discount and get the full amount at maturity.</a:t>
+            </a:r>
+          </a:p>
+          <a:p>
+            <a:pPr marL="0" marR="0" lvl="0" indent="0" algn="l" defTabSz="914400" rtl="0" eaLnBrk="0" fontAlgn="base" latinLnBrk="0" hangingPunct="0">
+              <a:lnSpc>
+                <a:spcPct val="100000"/>
+              </a:lnSpc>
+              <a:spcBef>
+                <a:spcPct val="0"/>
+              </a:spcBef>
+              <a:spcAft>
+                <a:spcPct val="0"/>
+              </a:spcAft>
+              <a:buClrTx/>
+              <a:buSzTx/>
+              <a:buFontTx/>
+              <a:buChar char="•"/>
+              <a:tabLst/>
+            </a:pPr>
+            <a:r>
+              <a:rPr kumimoji="0" lang="en-US" altLang="en-US" sz="1800" b="1" i="0" u="none" strike="noStrike" cap="none" normalizeH="0" baseline="0" dirty="0">
+                <a:ln>
+                  <a:noFill/>
+                </a:ln>
+                <a:solidFill>
+                  <a:schemeClr val="tx1"/>
+                </a:solidFill>
+                <a:effectLst/>
+                <a:latin typeface="Arial" panose="020B0604020202020204" pitchFamily="34" charset="0"/>
+              </a:rPr>
+              <a:t>Perpetual Bonds</a:t>
+            </a:r>
+            <a:r>
+              <a:rPr kumimoji="0" lang="en-US" altLang="en-US" sz="1800" b="0" i="0" u="none" strike="noStrike" cap="none" normalizeH="0" baseline="0" dirty="0">
+                <a:ln>
+                  <a:noFill/>
+                </a:ln>
+                <a:solidFill>
+                  <a:schemeClr val="tx1"/>
+                </a:solidFill>
+                <a:effectLst/>
+                <a:latin typeface="Arial" panose="020B0604020202020204" pitchFamily="34" charset="0"/>
+              </a:rPr>
+              <a:t>: Pay interest forever but no return of the original investment. </a:t>
+            </a:r>
+          </a:p>
+        </p:txBody>
+      </p:sp>
     </p:spTree>
     <p:extLst>
       <p:ext uri="{BB962C8B-B14F-4D97-AF65-F5344CB8AC3E}">
-        <p14:creationId xmlns:p14="http://schemas.microsoft.com/office/powerpoint/2010/main" val="3673939270"/>
+        <p14:creationId xmlns:p14="http://schemas.microsoft.com/office/powerpoint/2010/main" val="4106548719"/>
       </p:ext>
     </p:extLst>
   </p:cSld>
@@ -9957,6 +10671,12 @@
 </file>
 
 <file path=customXml/item2.xml><?xml version="1.0" encoding="utf-8"?>
+<p:properties xmlns:p="http://schemas.microsoft.com/office/2006/metadata/properties" xmlns:xsi="http://www.w3.org/2001/XMLSchema-instance" xmlns:pc="http://schemas.microsoft.com/office/infopath/2007/PartnerControls">
+  <documentManagement/>
+</p:properties>
+</file>
+
+<file path=customXml/item3.xml><?xml version="1.0" encoding="utf-8"?>
 <?mso-contentType ?>
 <FormTemplates xmlns="http://schemas.microsoft.com/sharepoint/v3/contenttype/forms">
   <Display>DocumentLibraryForm</Display>
@@ -9965,20 +10685,37 @@
 </FormTemplates>
 </file>
 
-<file path=customXml/item3.xml><?xml version="1.0" encoding="utf-8"?>
-<p:properties xmlns:p="http://schemas.microsoft.com/office/2006/metadata/properties" xmlns:xsi="http://www.w3.org/2001/XMLSchema-instance" xmlns:pc="http://schemas.microsoft.com/office/infopath/2007/PartnerControls">
-  <documentManagement/>
-</p:properties>
-</file>
-
 <file path=customXml/itemProps1.xml><?xml version="1.0" encoding="utf-8"?>
-<ds:datastoreItem xmlns:ds="http://schemas.openxmlformats.org/officeDocument/2006/customXml" ds:itemID="{1FD71E96-6C32-4241-9118-CBDCAB46000D}"/>
+<ds:datastoreItem xmlns:ds="http://schemas.openxmlformats.org/officeDocument/2006/customXml" ds:itemID="{1FD71E96-6C32-4241-9118-CBDCAB46000D}">
+  <ds:schemaRefs>
+    <ds:schemaRef ds:uri="http://schemas.microsoft.com/office/2006/metadata/contentType"/>
+    <ds:schemaRef ds:uri="http://schemas.microsoft.com/office/2006/metadata/properties/metaAttributes"/>
+    <ds:schemaRef ds:uri="http://www.w3.org/2001/XMLSchema"/>
+    <ds:schemaRef ds:uri="http://schemas.microsoft.com/office/2006/metadata/properties"/>
+    <ds:schemaRef ds:uri="358c27f4-605e-4a4d-a8b9-e26961c65206"/>
+    <ds:schemaRef ds:uri="http://schemas.microsoft.com/office/2006/documentManagement/types"/>
+    <ds:schemaRef ds:uri="http://schemas.microsoft.com/office/infopath/2007/PartnerControls"/>
+    <ds:schemaRef ds:uri="http://schemas.openxmlformats.org/package/2006/metadata/core-properties"/>
+    <ds:schemaRef ds:uri="http://purl.org/dc/elements/1.1/"/>
+    <ds:schemaRef ds:uri="http://purl.org/dc/terms/"/>
+    <ds:schemaRef ds:uri="http://schemas.microsoft.com/internal/obd"/>
+  </ds:schemaRefs>
+</ds:datastoreItem>
 </file>
 
 <file path=customXml/itemProps2.xml><?xml version="1.0" encoding="utf-8"?>
-<ds:datastoreItem xmlns:ds="http://schemas.openxmlformats.org/officeDocument/2006/customXml" ds:itemID="{1C6BBD3E-7E90-4758-8B02-AE3D6F85A1AC}"/>
+<ds:datastoreItem xmlns:ds="http://schemas.openxmlformats.org/officeDocument/2006/customXml" ds:itemID="{710B74AF-4531-4F25-A0CE-270C17F4452D}">
+  <ds:schemaRefs>
+    <ds:schemaRef ds:uri="http://schemas.microsoft.com/office/2006/metadata/properties"/>
+    <ds:schemaRef ds:uri="http://schemas.microsoft.com/office/infopath/2007/PartnerControls"/>
+  </ds:schemaRefs>
+</ds:datastoreItem>
 </file>
 
 <file path=customXml/itemProps3.xml><?xml version="1.0" encoding="utf-8"?>
-<ds:datastoreItem xmlns:ds="http://schemas.openxmlformats.org/officeDocument/2006/customXml" ds:itemID="{710B74AF-4531-4F25-A0CE-270C17F4452D}"/>
+<ds:datastoreItem xmlns:ds="http://schemas.openxmlformats.org/officeDocument/2006/customXml" ds:itemID="{1C6BBD3E-7E90-4758-8B02-AE3D6F85A1AC}">
+  <ds:schemaRefs>
+    <ds:schemaRef ds:uri="http://schemas.microsoft.com/sharepoint/v3/contenttype/forms"/>
+  </ds:schemaRefs>
+</ds:datastoreItem>
 </file>